--- a/ppt 16-9/0154.我们敬拜赞美.pptx
+++ b/ppt 16-9/0154.我们敬拜赞美.pptx
@@ -129,7 +129,7 @@
           <p:cNvPr id="2" name="标题 1">
             <a:extLst>
               <a:ext uri="{FF2B5EF4-FFF2-40B4-BE49-F238E27FC236}">
-                <a16:creationId xmlns:a16="http://schemas.microsoft.com/office/drawing/2014/main" id="{A6FC51D7-60B1-217E-AB63-64DDB5BC7823}"/>
+                <a16:creationId xmlns:a16="http://schemas.microsoft.com/office/drawing/2014/main" id="{98AB5768-2628-DF03-15E5-63F2C6197C04}"/>
               </a:ext>
             </a:extLst>
           </p:cNvPr>
@@ -166,7 +166,7 @@
           <p:cNvPr id="3" name="副标题 2">
             <a:extLst>
               <a:ext uri="{FF2B5EF4-FFF2-40B4-BE49-F238E27FC236}">
-                <a16:creationId xmlns:a16="http://schemas.microsoft.com/office/drawing/2014/main" id="{97B74047-4B17-CEBB-FAAF-993432B8AD12}"/>
+                <a16:creationId xmlns:a16="http://schemas.microsoft.com/office/drawing/2014/main" id="{BBBD6450-AE82-4A84-C7B3-767EF65205ED}"/>
               </a:ext>
             </a:extLst>
           </p:cNvPr>
@@ -236,7 +236,7 @@
           <p:cNvPr id="4" name="日期占位符 3">
             <a:extLst>
               <a:ext uri="{FF2B5EF4-FFF2-40B4-BE49-F238E27FC236}">
-                <a16:creationId xmlns:a16="http://schemas.microsoft.com/office/drawing/2014/main" id="{93B8281B-5942-5179-EDEA-FD9C643B77BF}"/>
+                <a16:creationId xmlns:a16="http://schemas.microsoft.com/office/drawing/2014/main" id="{C902B1CB-B3AD-4F5F-AE76-CDEA334166F3}"/>
               </a:ext>
             </a:extLst>
           </p:cNvPr>
@@ -252,7 +252,7 @@
           <a:bodyPr/>
           <a:lstStyle/>
           <a:p>
-            <a:fld id="{EAAE8F7E-12BC-4FAC-8ED1-576EA16AB2F6}" type="datetimeFigureOut">
+            <a:fld id="{9CF986CC-E267-4A49-8202-BD529CCCA2F0}" type="datetimeFigureOut">
               <a:rPr lang="zh-CN" altLang="en-US" smtClean="0"/>
               <a:t>2024/3/10</a:t>
             </a:fld>
@@ -265,7 +265,7 @@
           <p:cNvPr id="5" name="页脚占位符 4">
             <a:extLst>
               <a:ext uri="{FF2B5EF4-FFF2-40B4-BE49-F238E27FC236}">
-                <a16:creationId xmlns:a16="http://schemas.microsoft.com/office/drawing/2014/main" id="{A1D57671-5DFD-A0FA-C171-D30A566D714B}"/>
+                <a16:creationId xmlns:a16="http://schemas.microsoft.com/office/drawing/2014/main" id="{717657DC-DF5E-8891-86AB-C090B34F47D7}"/>
               </a:ext>
             </a:extLst>
           </p:cNvPr>
@@ -290,7 +290,7 @@
           <p:cNvPr id="6" name="灯片编号占位符 5">
             <a:extLst>
               <a:ext uri="{FF2B5EF4-FFF2-40B4-BE49-F238E27FC236}">
-                <a16:creationId xmlns:a16="http://schemas.microsoft.com/office/drawing/2014/main" id="{3C0A6A51-ED56-FDF4-9F96-BE5712C229CE}"/>
+                <a16:creationId xmlns:a16="http://schemas.microsoft.com/office/drawing/2014/main" id="{FA8B22E8-087C-6918-BC3A-F4F20569D2FD}"/>
               </a:ext>
             </a:extLst>
           </p:cNvPr>
@@ -306,7 +306,7 @@
           <a:bodyPr/>
           <a:lstStyle/>
           <a:p>
-            <a:fld id="{9897FB02-C65B-48D8-946F-B0BA464A709F}" type="slidenum">
+            <a:fld id="{3A496A81-F569-4137-AB14-9D1B2EA80C6C}" type="slidenum">
               <a:rPr lang="zh-CN" altLang="en-US" smtClean="0"/>
               <a:t>‹#›</a:t>
             </a:fld>
@@ -317,7 +317,7 @@
     </p:spTree>
     <p:extLst>
       <p:ext uri="{BB962C8B-B14F-4D97-AF65-F5344CB8AC3E}">
-        <p14:creationId xmlns:p14="http://schemas.microsoft.com/office/powerpoint/2010/main" val="3848187051"/>
+        <p14:creationId xmlns:p14="http://schemas.microsoft.com/office/powerpoint/2010/main" val="698744164"/>
       </p:ext>
     </p:extLst>
   </p:cSld>
@@ -349,7 +349,7 @@
           <p:cNvPr id="2" name="标题 1">
             <a:extLst>
               <a:ext uri="{FF2B5EF4-FFF2-40B4-BE49-F238E27FC236}">
-                <a16:creationId xmlns:a16="http://schemas.microsoft.com/office/drawing/2014/main" id="{765F43A3-1EC4-88B5-CD3F-C82569539000}"/>
+                <a16:creationId xmlns:a16="http://schemas.microsoft.com/office/drawing/2014/main" id="{4DB788F3-3705-097C-3B54-E32D34817A12}"/>
               </a:ext>
             </a:extLst>
           </p:cNvPr>
@@ -377,7 +377,7 @@
           <p:cNvPr id="3" name="竖排文字占位符 2">
             <a:extLst>
               <a:ext uri="{FF2B5EF4-FFF2-40B4-BE49-F238E27FC236}">
-                <a16:creationId xmlns:a16="http://schemas.microsoft.com/office/drawing/2014/main" id="{5DD646C1-46DF-33B7-C1A3-8EE166B815CB}"/>
+                <a16:creationId xmlns:a16="http://schemas.microsoft.com/office/drawing/2014/main" id="{8852A510-1127-FCBE-CF78-482481DD4174}"/>
               </a:ext>
             </a:extLst>
           </p:cNvPr>
@@ -434,7 +434,7 @@
           <p:cNvPr id="4" name="日期占位符 3">
             <a:extLst>
               <a:ext uri="{FF2B5EF4-FFF2-40B4-BE49-F238E27FC236}">
-                <a16:creationId xmlns:a16="http://schemas.microsoft.com/office/drawing/2014/main" id="{94DC6023-42BF-CB04-3310-EEF6AC41D03E}"/>
+                <a16:creationId xmlns:a16="http://schemas.microsoft.com/office/drawing/2014/main" id="{1053FBB6-D8E5-0C57-64E2-88E9D4823195}"/>
               </a:ext>
             </a:extLst>
           </p:cNvPr>
@@ -450,7 +450,7 @@
           <a:bodyPr/>
           <a:lstStyle/>
           <a:p>
-            <a:fld id="{EAAE8F7E-12BC-4FAC-8ED1-576EA16AB2F6}" type="datetimeFigureOut">
+            <a:fld id="{9CF986CC-E267-4A49-8202-BD529CCCA2F0}" type="datetimeFigureOut">
               <a:rPr lang="zh-CN" altLang="en-US" smtClean="0"/>
               <a:t>2024/3/10</a:t>
             </a:fld>
@@ -463,7 +463,7 @@
           <p:cNvPr id="5" name="页脚占位符 4">
             <a:extLst>
               <a:ext uri="{FF2B5EF4-FFF2-40B4-BE49-F238E27FC236}">
-                <a16:creationId xmlns:a16="http://schemas.microsoft.com/office/drawing/2014/main" id="{6382EFFD-2DD4-C936-2AA8-0F84D246DF3A}"/>
+                <a16:creationId xmlns:a16="http://schemas.microsoft.com/office/drawing/2014/main" id="{5F7AFE54-F8FB-E705-A2D9-C2CED0DF2F8B}"/>
               </a:ext>
             </a:extLst>
           </p:cNvPr>
@@ -488,7 +488,7 @@
           <p:cNvPr id="6" name="灯片编号占位符 5">
             <a:extLst>
               <a:ext uri="{FF2B5EF4-FFF2-40B4-BE49-F238E27FC236}">
-                <a16:creationId xmlns:a16="http://schemas.microsoft.com/office/drawing/2014/main" id="{0CB41C3F-DC1B-4EA5-48AC-4916801F1F1E}"/>
+                <a16:creationId xmlns:a16="http://schemas.microsoft.com/office/drawing/2014/main" id="{738E9030-3C89-56EC-E86A-7E5BD848676E}"/>
               </a:ext>
             </a:extLst>
           </p:cNvPr>
@@ -504,7 +504,7 @@
           <a:bodyPr/>
           <a:lstStyle/>
           <a:p>
-            <a:fld id="{9897FB02-C65B-48D8-946F-B0BA464A709F}" type="slidenum">
+            <a:fld id="{3A496A81-F569-4137-AB14-9D1B2EA80C6C}" type="slidenum">
               <a:rPr lang="zh-CN" altLang="en-US" smtClean="0"/>
               <a:t>‹#›</a:t>
             </a:fld>
@@ -515,7 +515,7 @@
     </p:spTree>
     <p:extLst>
       <p:ext uri="{BB962C8B-B14F-4D97-AF65-F5344CB8AC3E}">
-        <p14:creationId xmlns:p14="http://schemas.microsoft.com/office/powerpoint/2010/main" val="740794993"/>
+        <p14:creationId xmlns:p14="http://schemas.microsoft.com/office/powerpoint/2010/main" val="647584045"/>
       </p:ext>
     </p:extLst>
   </p:cSld>
@@ -547,7 +547,7 @@
           <p:cNvPr id="2" name="竖排标题 1">
             <a:extLst>
               <a:ext uri="{FF2B5EF4-FFF2-40B4-BE49-F238E27FC236}">
-                <a16:creationId xmlns:a16="http://schemas.microsoft.com/office/drawing/2014/main" id="{BF2E6A23-8AC5-D8AD-C5A8-44CE9EF213CA}"/>
+                <a16:creationId xmlns:a16="http://schemas.microsoft.com/office/drawing/2014/main" id="{6FEC9464-B538-E678-7A51-4783E12A9E2C}"/>
               </a:ext>
             </a:extLst>
           </p:cNvPr>
@@ -580,7 +580,7 @@
           <p:cNvPr id="3" name="竖排文字占位符 2">
             <a:extLst>
               <a:ext uri="{FF2B5EF4-FFF2-40B4-BE49-F238E27FC236}">
-                <a16:creationId xmlns:a16="http://schemas.microsoft.com/office/drawing/2014/main" id="{316A35D5-096B-D151-40EA-789D28D3BF3C}"/>
+                <a16:creationId xmlns:a16="http://schemas.microsoft.com/office/drawing/2014/main" id="{6BA642FA-1E30-36B3-0A50-12804E695B45}"/>
               </a:ext>
             </a:extLst>
           </p:cNvPr>
@@ -642,7 +642,7 @@
           <p:cNvPr id="4" name="日期占位符 3">
             <a:extLst>
               <a:ext uri="{FF2B5EF4-FFF2-40B4-BE49-F238E27FC236}">
-                <a16:creationId xmlns:a16="http://schemas.microsoft.com/office/drawing/2014/main" id="{272A477D-23D3-26C1-C4E2-979579EA6EC7}"/>
+                <a16:creationId xmlns:a16="http://schemas.microsoft.com/office/drawing/2014/main" id="{EA4F5FE1-F2CD-279A-C7E6-35F0F280D175}"/>
               </a:ext>
             </a:extLst>
           </p:cNvPr>
@@ -658,7 +658,7 @@
           <a:bodyPr/>
           <a:lstStyle/>
           <a:p>
-            <a:fld id="{EAAE8F7E-12BC-4FAC-8ED1-576EA16AB2F6}" type="datetimeFigureOut">
+            <a:fld id="{9CF986CC-E267-4A49-8202-BD529CCCA2F0}" type="datetimeFigureOut">
               <a:rPr lang="zh-CN" altLang="en-US" smtClean="0"/>
               <a:t>2024/3/10</a:t>
             </a:fld>
@@ -671,7 +671,7 @@
           <p:cNvPr id="5" name="页脚占位符 4">
             <a:extLst>
               <a:ext uri="{FF2B5EF4-FFF2-40B4-BE49-F238E27FC236}">
-                <a16:creationId xmlns:a16="http://schemas.microsoft.com/office/drawing/2014/main" id="{D60F5931-4782-E47E-43B1-6D2DAC0A1BE5}"/>
+                <a16:creationId xmlns:a16="http://schemas.microsoft.com/office/drawing/2014/main" id="{3ABEA12D-D3C6-40CA-C9EF-57751B8F2823}"/>
               </a:ext>
             </a:extLst>
           </p:cNvPr>
@@ -696,7 +696,7 @@
           <p:cNvPr id="6" name="灯片编号占位符 5">
             <a:extLst>
               <a:ext uri="{FF2B5EF4-FFF2-40B4-BE49-F238E27FC236}">
-                <a16:creationId xmlns:a16="http://schemas.microsoft.com/office/drawing/2014/main" id="{6C9C1209-6A5A-98FC-07EC-61034D5A317E}"/>
+                <a16:creationId xmlns:a16="http://schemas.microsoft.com/office/drawing/2014/main" id="{65512356-4575-FB6E-8F4C-D479757853C7}"/>
               </a:ext>
             </a:extLst>
           </p:cNvPr>
@@ -712,7 +712,7 @@
           <a:bodyPr/>
           <a:lstStyle/>
           <a:p>
-            <a:fld id="{9897FB02-C65B-48D8-946F-B0BA464A709F}" type="slidenum">
+            <a:fld id="{3A496A81-F569-4137-AB14-9D1B2EA80C6C}" type="slidenum">
               <a:rPr lang="zh-CN" altLang="en-US" smtClean="0"/>
               <a:t>‹#›</a:t>
             </a:fld>
@@ -723,7 +723,7 @@
     </p:spTree>
     <p:extLst>
       <p:ext uri="{BB962C8B-B14F-4D97-AF65-F5344CB8AC3E}">
-        <p14:creationId xmlns:p14="http://schemas.microsoft.com/office/powerpoint/2010/main" val="3853938745"/>
+        <p14:creationId xmlns:p14="http://schemas.microsoft.com/office/powerpoint/2010/main" val="2622074071"/>
       </p:ext>
     </p:extLst>
   </p:cSld>
@@ -755,7 +755,7 @@
           <p:cNvPr id="2" name="标题 1">
             <a:extLst>
               <a:ext uri="{FF2B5EF4-FFF2-40B4-BE49-F238E27FC236}">
-                <a16:creationId xmlns:a16="http://schemas.microsoft.com/office/drawing/2014/main" id="{70E68D8A-3959-B398-C764-A4572BE73C1F}"/>
+                <a16:creationId xmlns:a16="http://schemas.microsoft.com/office/drawing/2014/main" id="{3C70AE26-8828-77C2-1E29-0F8D96613456}"/>
               </a:ext>
             </a:extLst>
           </p:cNvPr>
@@ -783,7 +783,7 @@
           <p:cNvPr id="3" name="内容占位符 2">
             <a:extLst>
               <a:ext uri="{FF2B5EF4-FFF2-40B4-BE49-F238E27FC236}">
-                <a16:creationId xmlns:a16="http://schemas.microsoft.com/office/drawing/2014/main" id="{4017521F-7BE9-4E4B-9D65-2DBC88ACA2B1}"/>
+                <a16:creationId xmlns:a16="http://schemas.microsoft.com/office/drawing/2014/main" id="{99311CD0-5945-39D7-C3D7-DB54863BB2ED}"/>
               </a:ext>
             </a:extLst>
           </p:cNvPr>
@@ -840,7 +840,7 @@
           <p:cNvPr id="4" name="日期占位符 3">
             <a:extLst>
               <a:ext uri="{FF2B5EF4-FFF2-40B4-BE49-F238E27FC236}">
-                <a16:creationId xmlns:a16="http://schemas.microsoft.com/office/drawing/2014/main" id="{77A71185-1D1B-47E4-B838-D6F49A248119}"/>
+                <a16:creationId xmlns:a16="http://schemas.microsoft.com/office/drawing/2014/main" id="{AC84B106-4910-EEAB-2D53-620B3D4DE97C}"/>
               </a:ext>
             </a:extLst>
           </p:cNvPr>
@@ -856,7 +856,7 @@
           <a:bodyPr/>
           <a:lstStyle/>
           <a:p>
-            <a:fld id="{EAAE8F7E-12BC-4FAC-8ED1-576EA16AB2F6}" type="datetimeFigureOut">
+            <a:fld id="{9CF986CC-E267-4A49-8202-BD529CCCA2F0}" type="datetimeFigureOut">
               <a:rPr lang="zh-CN" altLang="en-US" smtClean="0"/>
               <a:t>2024/3/10</a:t>
             </a:fld>
@@ -869,7 +869,7 @@
           <p:cNvPr id="5" name="页脚占位符 4">
             <a:extLst>
               <a:ext uri="{FF2B5EF4-FFF2-40B4-BE49-F238E27FC236}">
-                <a16:creationId xmlns:a16="http://schemas.microsoft.com/office/drawing/2014/main" id="{3F3BF2B9-24D9-D57E-57C0-B84275E47A35}"/>
+                <a16:creationId xmlns:a16="http://schemas.microsoft.com/office/drawing/2014/main" id="{2B1F6385-3710-8AEA-E13D-01C61D226146}"/>
               </a:ext>
             </a:extLst>
           </p:cNvPr>
@@ -894,7 +894,7 @@
           <p:cNvPr id="6" name="灯片编号占位符 5">
             <a:extLst>
               <a:ext uri="{FF2B5EF4-FFF2-40B4-BE49-F238E27FC236}">
-                <a16:creationId xmlns:a16="http://schemas.microsoft.com/office/drawing/2014/main" id="{DE1AD855-DBF0-CB6D-6C60-BA8DEA92944C}"/>
+                <a16:creationId xmlns:a16="http://schemas.microsoft.com/office/drawing/2014/main" id="{8FD13F53-E7B7-58EC-C3B6-503F315E255E}"/>
               </a:ext>
             </a:extLst>
           </p:cNvPr>
@@ -910,7 +910,7 @@
           <a:bodyPr/>
           <a:lstStyle/>
           <a:p>
-            <a:fld id="{9897FB02-C65B-48D8-946F-B0BA464A709F}" type="slidenum">
+            <a:fld id="{3A496A81-F569-4137-AB14-9D1B2EA80C6C}" type="slidenum">
               <a:rPr lang="zh-CN" altLang="en-US" smtClean="0"/>
               <a:t>‹#›</a:t>
             </a:fld>
@@ -921,7 +921,7 @@
     </p:spTree>
     <p:extLst>
       <p:ext uri="{BB962C8B-B14F-4D97-AF65-F5344CB8AC3E}">
-        <p14:creationId xmlns:p14="http://schemas.microsoft.com/office/powerpoint/2010/main" val="2217129543"/>
+        <p14:creationId xmlns:p14="http://schemas.microsoft.com/office/powerpoint/2010/main" val="4036647092"/>
       </p:ext>
     </p:extLst>
   </p:cSld>
@@ -953,7 +953,7 @@
           <p:cNvPr id="2" name="标题 1">
             <a:extLst>
               <a:ext uri="{FF2B5EF4-FFF2-40B4-BE49-F238E27FC236}">
-                <a16:creationId xmlns:a16="http://schemas.microsoft.com/office/drawing/2014/main" id="{737B5270-BFFB-1ED8-3E85-2DC8D86E9B93}"/>
+                <a16:creationId xmlns:a16="http://schemas.microsoft.com/office/drawing/2014/main" id="{98F2FAD6-54F3-DEB5-2499-CD3E35224A7F}"/>
               </a:ext>
             </a:extLst>
           </p:cNvPr>
@@ -990,7 +990,7 @@
           <p:cNvPr id="3" name="文本占位符 2">
             <a:extLst>
               <a:ext uri="{FF2B5EF4-FFF2-40B4-BE49-F238E27FC236}">
-                <a16:creationId xmlns:a16="http://schemas.microsoft.com/office/drawing/2014/main" id="{5939271F-F4DE-36B1-5C49-5B1578CA3EB9}"/>
+                <a16:creationId xmlns:a16="http://schemas.microsoft.com/office/drawing/2014/main" id="{27E1BCE5-4E93-517F-7356-B210AECFB538}"/>
               </a:ext>
             </a:extLst>
           </p:cNvPr>
@@ -1115,7 +1115,7 @@
           <p:cNvPr id="4" name="日期占位符 3">
             <a:extLst>
               <a:ext uri="{FF2B5EF4-FFF2-40B4-BE49-F238E27FC236}">
-                <a16:creationId xmlns:a16="http://schemas.microsoft.com/office/drawing/2014/main" id="{1E7CB570-899A-0081-DE07-8C6E6D4FE5DC}"/>
+                <a16:creationId xmlns:a16="http://schemas.microsoft.com/office/drawing/2014/main" id="{7FA86FE6-EA59-23BA-FDF2-5160A44E53E5}"/>
               </a:ext>
             </a:extLst>
           </p:cNvPr>
@@ -1131,7 +1131,7 @@
           <a:bodyPr/>
           <a:lstStyle/>
           <a:p>
-            <a:fld id="{EAAE8F7E-12BC-4FAC-8ED1-576EA16AB2F6}" type="datetimeFigureOut">
+            <a:fld id="{9CF986CC-E267-4A49-8202-BD529CCCA2F0}" type="datetimeFigureOut">
               <a:rPr lang="zh-CN" altLang="en-US" smtClean="0"/>
               <a:t>2024/3/10</a:t>
             </a:fld>
@@ -1144,7 +1144,7 @@
           <p:cNvPr id="5" name="页脚占位符 4">
             <a:extLst>
               <a:ext uri="{FF2B5EF4-FFF2-40B4-BE49-F238E27FC236}">
-                <a16:creationId xmlns:a16="http://schemas.microsoft.com/office/drawing/2014/main" id="{0C962AF4-8FDE-C868-CC09-9DE3531AC9A0}"/>
+                <a16:creationId xmlns:a16="http://schemas.microsoft.com/office/drawing/2014/main" id="{832BE58E-FBED-A81A-919E-6166A86A9816}"/>
               </a:ext>
             </a:extLst>
           </p:cNvPr>
@@ -1169,7 +1169,7 @@
           <p:cNvPr id="6" name="灯片编号占位符 5">
             <a:extLst>
               <a:ext uri="{FF2B5EF4-FFF2-40B4-BE49-F238E27FC236}">
-                <a16:creationId xmlns:a16="http://schemas.microsoft.com/office/drawing/2014/main" id="{87EA0969-9E67-08CA-C8BE-BDA84FFF4E68}"/>
+                <a16:creationId xmlns:a16="http://schemas.microsoft.com/office/drawing/2014/main" id="{0D88996A-C10C-3350-4B40-CFB5EB5801A6}"/>
               </a:ext>
             </a:extLst>
           </p:cNvPr>
@@ -1185,7 +1185,7 @@
           <a:bodyPr/>
           <a:lstStyle/>
           <a:p>
-            <a:fld id="{9897FB02-C65B-48D8-946F-B0BA464A709F}" type="slidenum">
+            <a:fld id="{3A496A81-F569-4137-AB14-9D1B2EA80C6C}" type="slidenum">
               <a:rPr lang="zh-CN" altLang="en-US" smtClean="0"/>
               <a:t>‹#›</a:t>
             </a:fld>
@@ -1196,7 +1196,7 @@
     </p:spTree>
     <p:extLst>
       <p:ext uri="{BB962C8B-B14F-4D97-AF65-F5344CB8AC3E}">
-        <p14:creationId xmlns:p14="http://schemas.microsoft.com/office/powerpoint/2010/main" val="3132379827"/>
+        <p14:creationId xmlns:p14="http://schemas.microsoft.com/office/powerpoint/2010/main" val="87917942"/>
       </p:ext>
     </p:extLst>
   </p:cSld>
@@ -1228,7 +1228,7 @@
           <p:cNvPr id="2" name="标题 1">
             <a:extLst>
               <a:ext uri="{FF2B5EF4-FFF2-40B4-BE49-F238E27FC236}">
-                <a16:creationId xmlns:a16="http://schemas.microsoft.com/office/drawing/2014/main" id="{F335FD65-A6B5-65D9-97B9-B2EB9E765F5B}"/>
+                <a16:creationId xmlns:a16="http://schemas.microsoft.com/office/drawing/2014/main" id="{C7920C59-55CE-6A82-1A6C-98074CB1F3C2}"/>
               </a:ext>
             </a:extLst>
           </p:cNvPr>
@@ -1256,7 +1256,7 @@
           <p:cNvPr id="3" name="内容占位符 2">
             <a:extLst>
               <a:ext uri="{FF2B5EF4-FFF2-40B4-BE49-F238E27FC236}">
-                <a16:creationId xmlns:a16="http://schemas.microsoft.com/office/drawing/2014/main" id="{3820B8EC-F07D-F929-3A65-52DE97783A2D}"/>
+                <a16:creationId xmlns:a16="http://schemas.microsoft.com/office/drawing/2014/main" id="{8A415071-2431-49B4-161D-F78514470DF0}"/>
               </a:ext>
             </a:extLst>
           </p:cNvPr>
@@ -1318,7 +1318,7 @@
           <p:cNvPr id="4" name="内容占位符 3">
             <a:extLst>
               <a:ext uri="{FF2B5EF4-FFF2-40B4-BE49-F238E27FC236}">
-                <a16:creationId xmlns:a16="http://schemas.microsoft.com/office/drawing/2014/main" id="{52EDE66D-33B3-6AF7-2E89-9D579B965E3D}"/>
+                <a16:creationId xmlns:a16="http://schemas.microsoft.com/office/drawing/2014/main" id="{DF076A73-2BE8-C191-1318-3A3AD55C4F49}"/>
               </a:ext>
             </a:extLst>
           </p:cNvPr>
@@ -1380,7 +1380,7 @@
           <p:cNvPr id="5" name="日期占位符 4">
             <a:extLst>
               <a:ext uri="{FF2B5EF4-FFF2-40B4-BE49-F238E27FC236}">
-                <a16:creationId xmlns:a16="http://schemas.microsoft.com/office/drawing/2014/main" id="{364F6615-20E8-3F09-572C-3CA38B887606}"/>
+                <a16:creationId xmlns:a16="http://schemas.microsoft.com/office/drawing/2014/main" id="{264FC729-350E-367C-0C86-F37B31C0701D}"/>
               </a:ext>
             </a:extLst>
           </p:cNvPr>
@@ -1396,7 +1396,7 @@
           <a:bodyPr/>
           <a:lstStyle/>
           <a:p>
-            <a:fld id="{EAAE8F7E-12BC-4FAC-8ED1-576EA16AB2F6}" type="datetimeFigureOut">
+            <a:fld id="{9CF986CC-E267-4A49-8202-BD529CCCA2F0}" type="datetimeFigureOut">
               <a:rPr lang="zh-CN" altLang="en-US" smtClean="0"/>
               <a:t>2024/3/10</a:t>
             </a:fld>
@@ -1409,7 +1409,7 @@
           <p:cNvPr id="6" name="页脚占位符 5">
             <a:extLst>
               <a:ext uri="{FF2B5EF4-FFF2-40B4-BE49-F238E27FC236}">
-                <a16:creationId xmlns:a16="http://schemas.microsoft.com/office/drawing/2014/main" id="{392EFB1B-B32E-F17A-CBA5-DB049678ADE2}"/>
+                <a16:creationId xmlns:a16="http://schemas.microsoft.com/office/drawing/2014/main" id="{6F70AB7F-BDA4-FDC2-CA6A-01479320317A}"/>
               </a:ext>
             </a:extLst>
           </p:cNvPr>
@@ -1434,7 +1434,7 @@
           <p:cNvPr id="7" name="灯片编号占位符 6">
             <a:extLst>
               <a:ext uri="{FF2B5EF4-FFF2-40B4-BE49-F238E27FC236}">
-                <a16:creationId xmlns:a16="http://schemas.microsoft.com/office/drawing/2014/main" id="{C74056C4-9544-D31B-3C31-A407BB6B2282}"/>
+                <a16:creationId xmlns:a16="http://schemas.microsoft.com/office/drawing/2014/main" id="{6B806D8B-6FDA-C74E-B2AE-529A60859047}"/>
               </a:ext>
             </a:extLst>
           </p:cNvPr>
@@ -1450,7 +1450,7 @@
           <a:bodyPr/>
           <a:lstStyle/>
           <a:p>
-            <a:fld id="{9897FB02-C65B-48D8-946F-B0BA464A709F}" type="slidenum">
+            <a:fld id="{3A496A81-F569-4137-AB14-9D1B2EA80C6C}" type="slidenum">
               <a:rPr lang="zh-CN" altLang="en-US" smtClean="0"/>
               <a:t>‹#›</a:t>
             </a:fld>
@@ -1461,7 +1461,7 @@
     </p:spTree>
     <p:extLst>
       <p:ext uri="{BB962C8B-B14F-4D97-AF65-F5344CB8AC3E}">
-        <p14:creationId xmlns:p14="http://schemas.microsoft.com/office/powerpoint/2010/main" val="2570263798"/>
+        <p14:creationId xmlns:p14="http://schemas.microsoft.com/office/powerpoint/2010/main" val="1915526171"/>
       </p:ext>
     </p:extLst>
   </p:cSld>
@@ -1493,7 +1493,7 @@
           <p:cNvPr id="2" name="标题 1">
             <a:extLst>
               <a:ext uri="{FF2B5EF4-FFF2-40B4-BE49-F238E27FC236}">
-                <a16:creationId xmlns:a16="http://schemas.microsoft.com/office/drawing/2014/main" id="{57E91CEC-688C-BEDB-3AB8-DAF60C404145}"/>
+                <a16:creationId xmlns:a16="http://schemas.microsoft.com/office/drawing/2014/main" id="{066F2827-CE73-3150-7550-9CF51C463ED6}"/>
               </a:ext>
             </a:extLst>
           </p:cNvPr>
@@ -1526,7 +1526,7 @@
           <p:cNvPr id="3" name="文本占位符 2">
             <a:extLst>
               <a:ext uri="{FF2B5EF4-FFF2-40B4-BE49-F238E27FC236}">
-                <a16:creationId xmlns:a16="http://schemas.microsoft.com/office/drawing/2014/main" id="{3C61BF85-E91C-C77B-8317-1500AFFB522D}"/>
+                <a16:creationId xmlns:a16="http://schemas.microsoft.com/office/drawing/2014/main" id="{9EB0272F-8A6F-92CD-C58C-9B812CA5D52A}"/>
               </a:ext>
             </a:extLst>
           </p:cNvPr>
@@ -1597,7 +1597,7 @@
           <p:cNvPr id="4" name="内容占位符 3">
             <a:extLst>
               <a:ext uri="{FF2B5EF4-FFF2-40B4-BE49-F238E27FC236}">
-                <a16:creationId xmlns:a16="http://schemas.microsoft.com/office/drawing/2014/main" id="{37EA8804-CC9E-45EA-B940-92FAEC6338FD}"/>
+                <a16:creationId xmlns:a16="http://schemas.microsoft.com/office/drawing/2014/main" id="{535460DB-54E4-D1AE-98DC-73603E09EA7F}"/>
               </a:ext>
             </a:extLst>
           </p:cNvPr>
@@ -1659,7 +1659,7 @@
           <p:cNvPr id="5" name="文本占位符 4">
             <a:extLst>
               <a:ext uri="{FF2B5EF4-FFF2-40B4-BE49-F238E27FC236}">
-                <a16:creationId xmlns:a16="http://schemas.microsoft.com/office/drawing/2014/main" id="{0C5795D9-BBA3-D65B-9BE3-9BEF1E8D05BA}"/>
+                <a16:creationId xmlns:a16="http://schemas.microsoft.com/office/drawing/2014/main" id="{AB5C4793-A850-A737-771C-7F4B83B48C80}"/>
               </a:ext>
             </a:extLst>
           </p:cNvPr>
@@ -1730,7 +1730,7 @@
           <p:cNvPr id="6" name="内容占位符 5">
             <a:extLst>
               <a:ext uri="{FF2B5EF4-FFF2-40B4-BE49-F238E27FC236}">
-                <a16:creationId xmlns:a16="http://schemas.microsoft.com/office/drawing/2014/main" id="{69B2AD74-85B0-7F03-98F4-35B54F922F63}"/>
+                <a16:creationId xmlns:a16="http://schemas.microsoft.com/office/drawing/2014/main" id="{FCB1F2D0-E38D-6AED-7DAD-14B75663E502}"/>
               </a:ext>
             </a:extLst>
           </p:cNvPr>
@@ -1792,7 +1792,7 @@
           <p:cNvPr id="7" name="日期占位符 6">
             <a:extLst>
               <a:ext uri="{FF2B5EF4-FFF2-40B4-BE49-F238E27FC236}">
-                <a16:creationId xmlns:a16="http://schemas.microsoft.com/office/drawing/2014/main" id="{74955D4F-6526-9FFC-F87E-54509DF03E97}"/>
+                <a16:creationId xmlns:a16="http://schemas.microsoft.com/office/drawing/2014/main" id="{944D44B3-657E-1F81-049E-FB9C2BED15AC}"/>
               </a:ext>
             </a:extLst>
           </p:cNvPr>
@@ -1808,7 +1808,7 @@
           <a:bodyPr/>
           <a:lstStyle/>
           <a:p>
-            <a:fld id="{EAAE8F7E-12BC-4FAC-8ED1-576EA16AB2F6}" type="datetimeFigureOut">
+            <a:fld id="{9CF986CC-E267-4A49-8202-BD529CCCA2F0}" type="datetimeFigureOut">
               <a:rPr lang="zh-CN" altLang="en-US" smtClean="0"/>
               <a:t>2024/3/10</a:t>
             </a:fld>
@@ -1821,7 +1821,7 @@
           <p:cNvPr id="8" name="页脚占位符 7">
             <a:extLst>
               <a:ext uri="{FF2B5EF4-FFF2-40B4-BE49-F238E27FC236}">
-                <a16:creationId xmlns:a16="http://schemas.microsoft.com/office/drawing/2014/main" id="{B7670BA9-C4F6-E421-2D02-EFD529A8BF90}"/>
+                <a16:creationId xmlns:a16="http://schemas.microsoft.com/office/drawing/2014/main" id="{AC723C91-E894-56CC-C95C-D4D263937E0F}"/>
               </a:ext>
             </a:extLst>
           </p:cNvPr>
@@ -1846,7 +1846,7 @@
           <p:cNvPr id="9" name="灯片编号占位符 8">
             <a:extLst>
               <a:ext uri="{FF2B5EF4-FFF2-40B4-BE49-F238E27FC236}">
-                <a16:creationId xmlns:a16="http://schemas.microsoft.com/office/drawing/2014/main" id="{7A385947-C1CB-9EE0-BA1F-BB63E4B9EBAD}"/>
+                <a16:creationId xmlns:a16="http://schemas.microsoft.com/office/drawing/2014/main" id="{2419FD2A-AC4F-E121-C96D-82646B3E14FD}"/>
               </a:ext>
             </a:extLst>
           </p:cNvPr>
@@ -1862,7 +1862,7 @@
           <a:bodyPr/>
           <a:lstStyle/>
           <a:p>
-            <a:fld id="{9897FB02-C65B-48D8-946F-B0BA464A709F}" type="slidenum">
+            <a:fld id="{3A496A81-F569-4137-AB14-9D1B2EA80C6C}" type="slidenum">
               <a:rPr lang="zh-CN" altLang="en-US" smtClean="0"/>
               <a:t>‹#›</a:t>
             </a:fld>
@@ -1873,7 +1873,7 @@
     </p:spTree>
     <p:extLst>
       <p:ext uri="{BB962C8B-B14F-4D97-AF65-F5344CB8AC3E}">
-        <p14:creationId xmlns:p14="http://schemas.microsoft.com/office/powerpoint/2010/main" val="2443522512"/>
+        <p14:creationId xmlns:p14="http://schemas.microsoft.com/office/powerpoint/2010/main" val="2359848247"/>
       </p:ext>
     </p:extLst>
   </p:cSld>
@@ -1905,7 +1905,7 @@
           <p:cNvPr id="2" name="标题 1">
             <a:extLst>
               <a:ext uri="{FF2B5EF4-FFF2-40B4-BE49-F238E27FC236}">
-                <a16:creationId xmlns:a16="http://schemas.microsoft.com/office/drawing/2014/main" id="{0A58AD2C-7C35-D504-1C18-AE778572DB29}"/>
+                <a16:creationId xmlns:a16="http://schemas.microsoft.com/office/drawing/2014/main" id="{D834EFB1-57AD-F6EC-73A1-E5E5425CA7A9}"/>
               </a:ext>
             </a:extLst>
           </p:cNvPr>
@@ -1933,7 +1933,7 @@
           <p:cNvPr id="3" name="日期占位符 2">
             <a:extLst>
               <a:ext uri="{FF2B5EF4-FFF2-40B4-BE49-F238E27FC236}">
-                <a16:creationId xmlns:a16="http://schemas.microsoft.com/office/drawing/2014/main" id="{5C312F5F-0E64-BDDC-E4A3-1FDE50B07561}"/>
+                <a16:creationId xmlns:a16="http://schemas.microsoft.com/office/drawing/2014/main" id="{CD440250-ABCB-33C3-D25F-9242061FFE5F}"/>
               </a:ext>
             </a:extLst>
           </p:cNvPr>
@@ -1949,7 +1949,7 @@
           <a:bodyPr/>
           <a:lstStyle/>
           <a:p>
-            <a:fld id="{EAAE8F7E-12BC-4FAC-8ED1-576EA16AB2F6}" type="datetimeFigureOut">
+            <a:fld id="{9CF986CC-E267-4A49-8202-BD529CCCA2F0}" type="datetimeFigureOut">
               <a:rPr lang="zh-CN" altLang="en-US" smtClean="0"/>
               <a:t>2024/3/10</a:t>
             </a:fld>
@@ -1962,7 +1962,7 @@
           <p:cNvPr id="4" name="页脚占位符 3">
             <a:extLst>
               <a:ext uri="{FF2B5EF4-FFF2-40B4-BE49-F238E27FC236}">
-                <a16:creationId xmlns:a16="http://schemas.microsoft.com/office/drawing/2014/main" id="{908CD080-BEE5-5210-861D-0E25F12D6F88}"/>
+                <a16:creationId xmlns:a16="http://schemas.microsoft.com/office/drawing/2014/main" id="{3EF251AE-7147-F26B-5CF9-B81C6ED09FB4}"/>
               </a:ext>
             </a:extLst>
           </p:cNvPr>
@@ -1987,7 +1987,7 @@
           <p:cNvPr id="5" name="灯片编号占位符 4">
             <a:extLst>
               <a:ext uri="{FF2B5EF4-FFF2-40B4-BE49-F238E27FC236}">
-                <a16:creationId xmlns:a16="http://schemas.microsoft.com/office/drawing/2014/main" id="{94537FE1-6CAD-4EB6-B6A9-1C0DF09F5C1B}"/>
+                <a16:creationId xmlns:a16="http://schemas.microsoft.com/office/drawing/2014/main" id="{EA061D3A-FB8E-9154-1F7B-28EF2ECB9B1A}"/>
               </a:ext>
             </a:extLst>
           </p:cNvPr>
@@ -2003,7 +2003,7 @@
           <a:bodyPr/>
           <a:lstStyle/>
           <a:p>
-            <a:fld id="{9897FB02-C65B-48D8-946F-B0BA464A709F}" type="slidenum">
+            <a:fld id="{3A496A81-F569-4137-AB14-9D1B2EA80C6C}" type="slidenum">
               <a:rPr lang="zh-CN" altLang="en-US" smtClean="0"/>
               <a:t>‹#›</a:t>
             </a:fld>
@@ -2014,7 +2014,7 @@
     </p:spTree>
     <p:extLst>
       <p:ext uri="{BB962C8B-B14F-4D97-AF65-F5344CB8AC3E}">
-        <p14:creationId xmlns:p14="http://schemas.microsoft.com/office/powerpoint/2010/main" val="710112677"/>
+        <p14:creationId xmlns:p14="http://schemas.microsoft.com/office/powerpoint/2010/main" val="496862575"/>
       </p:ext>
     </p:extLst>
   </p:cSld>
@@ -2046,7 +2046,7 @@
           <p:cNvPr id="2" name="日期占位符 1">
             <a:extLst>
               <a:ext uri="{FF2B5EF4-FFF2-40B4-BE49-F238E27FC236}">
-                <a16:creationId xmlns:a16="http://schemas.microsoft.com/office/drawing/2014/main" id="{F3B9C291-E598-5C20-D772-B5E506850598}"/>
+                <a16:creationId xmlns:a16="http://schemas.microsoft.com/office/drawing/2014/main" id="{4769CC4E-EA80-92B6-E614-92F3628C36AB}"/>
               </a:ext>
             </a:extLst>
           </p:cNvPr>
@@ -2062,7 +2062,7 @@
           <a:bodyPr/>
           <a:lstStyle/>
           <a:p>
-            <a:fld id="{EAAE8F7E-12BC-4FAC-8ED1-576EA16AB2F6}" type="datetimeFigureOut">
+            <a:fld id="{9CF986CC-E267-4A49-8202-BD529CCCA2F0}" type="datetimeFigureOut">
               <a:rPr lang="zh-CN" altLang="en-US" smtClean="0"/>
               <a:t>2024/3/10</a:t>
             </a:fld>
@@ -2075,7 +2075,7 @@
           <p:cNvPr id="3" name="页脚占位符 2">
             <a:extLst>
               <a:ext uri="{FF2B5EF4-FFF2-40B4-BE49-F238E27FC236}">
-                <a16:creationId xmlns:a16="http://schemas.microsoft.com/office/drawing/2014/main" id="{3867040E-6AE8-970C-23F0-3B7E30B86F7C}"/>
+                <a16:creationId xmlns:a16="http://schemas.microsoft.com/office/drawing/2014/main" id="{BD9ED018-DDE0-BD8F-9B79-69AA909294BD}"/>
               </a:ext>
             </a:extLst>
           </p:cNvPr>
@@ -2100,7 +2100,7 @@
           <p:cNvPr id="4" name="灯片编号占位符 3">
             <a:extLst>
               <a:ext uri="{FF2B5EF4-FFF2-40B4-BE49-F238E27FC236}">
-                <a16:creationId xmlns:a16="http://schemas.microsoft.com/office/drawing/2014/main" id="{41270D5D-84D5-7D51-3575-766C051B213E}"/>
+                <a16:creationId xmlns:a16="http://schemas.microsoft.com/office/drawing/2014/main" id="{021BFC83-7A12-FCD3-EA71-427927672765}"/>
               </a:ext>
             </a:extLst>
           </p:cNvPr>
@@ -2116,7 +2116,7 @@
           <a:bodyPr/>
           <a:lstStyle/>
           <a:p>
-            <a:fld id="{9897FB02-C65B-48D8-946F-B0BA464A709F}" type="slidenum">
+            <a:fld id="{3A496A81-F569-4137-AB14-9D1B2EA80C6C}" type="slidenum">
               <a:rPr lang="zh-CN" altLang="en-US" smtClean="0"/>
               <a:t>‹#›</a:t>
             </a:fld>
@@ -2127,7 +2127,7 @@
     </p:spTree>
     <p:extLst>
       <p:ext uri="{BB962C8B-B14F-4D97-AF65-F5344CB8AC3E}">
-        <p14:creationId xmlns:p14="http://schemas.microsoft.com/office/powerpoint/2010/main" val="1299741732"/>
+        <p14:creationId xmlns:p14="http://schemas.microsoft.com/office/powerpoint/2010/main" val="1746879133"/>
       </p:ext>
     </p:extLst>
   </p:cSld>
@@ -2159,7 +2159,7 @@
           <p:cNvPr id="2" name="标题 1">
             <a:extLst>
               <a:ext uri="{FF2B5EF4-FFF2-40B4-BE49-F238E27FC236}">
-                <a16:creationId xmlns:a16="http://schemas.microsoft.com/office/drawing/2014/main" id="{A9AF068A-C749-8DDE-130C-AD7E739BC0FC}"/>
+                <a16:creationId xmlns:a16="http://schemas.microsoft.com/office/drawing/2014/main" id="{68A5403F-E31F-6E87-86E8-0A946EEA7559}"/>
               </a:ext>
             </a:extLst>
           </p:cNvPr>
@@ -2196,7 +2196,7 @@
           <p:cNvPr id="3" name="内容占位符 2">
             <a:extLst>
               <a:ext uri="{FF2B5EF4-FFF2-40B4-BE49-F238E27FC236}">
-                <a16:creationId xmlns:a16="http://schemas.microsoft.com/office/drawing/2014/main" id="{FDB49758-9619-B82D-D7B3-BB86F324C068}"/>
+                <a16:creationId xmlns:a16="http://schemas.microsoft.com/office/drawing/2014/main" id="{062603F9-FCC5-CDB4-2559-FC33730B5630}"/>
               </a:ext>
             </a:extLst>
           </p:cNvPr>
@@ -2286,7 +2286,7 @@
           <p:cNvPr id="4" name="文本占位符 3">
             <a:extLst>
               <a:ext uri="{FF2B5EF4-FFF2-40B4-BE49-F238E27FC236}">
-                <a16:creationId xmlns:a16="http://schemas.microsoft.com/office/drawing/2014/main" id="{F73CF06F-1F9E-0398-2235-EE74D6790ADB}"/>
+                <a16:creationId xmlns:a16="http://schemas.microsoft.com/office/drawing/2014/main" id="{173158A8-3873-8211-D36B-24F006811901}"/>
               </a:ext>
             </a:extLst>
           </p:cNvPr>
@@ -2357,7 +2357,7 @@
           <p:cNvPr id="5" name="日期占位符 4">
             <a:extLst>
               <a:ext uri="{FF2B5EF4-FFF2-40B4-BE49-F238E27FC236}">
-                <a16:creationId xmlns:a16="http://schemas.microsoft.com/office/drawing/2014/main" id="{30AEBB5D-7AA1-8018-B9EE-EE666316ECE4}"/>
+                <a16:creationId xmlns:a16="http://schemas.microsoft.com/office/drawing/2014/main" id="{9A1BAB5C-9C36-9F4A-C269-E2399E2DA413}"/>
               </a:ext>
             </a:extLst>
           </p:cNvPr>
@@ -2373,7 +2373,7 @@
           <a:bodyPr/>
           <a:lstStyle/>
           <a:p>
-            <a:fld id="{EAAE8F7E-12BC-4FAC-8ED1-576EA16AB2F6}" type="datetimeFigureOut">
+            <a:fld id="{9CF986CC-E267-4A49-8202-BD529CCCA2F0}" type="datetimeFigureOut">
               <a:rPr lang="zh-CN" altLang="en-US" smtClean="0"/>
               <a:t>2024/3/10</a:t>
             </a:fld>
@@ -2386,7 +2386,7 @@
           <p:cNvPr id="6" name="页脚占位符 5">
             <a:extLst>
               <a:ext uri="{FF2B5EF4-FFF2-40B4-BE49-F238E27FC236}">
-                <a16:creationId xmlns:a16="http://schemas.microsoft.com/office/drawing/2014/main" id="{486ADEE7-4F1A-59F5-E9D2-CBDDBA5116DF}"/>
+                <a16:creationId xmlns:a16="http://schemas.microsoft.com/office/drawing/2014/main" id="{AA160A27-3772-3A7E-AF05-232CAB3AD79A}"/>
               </a:ext>
             </a:extLst>
           </p:cNvPr>
@@ -2411,7 +2411,7 @@
           <p:cNvPr id="7" name="灯片编号占位符 6">
             <a:extLst>
               <a:ext uri="{FF2B5EF4-FFF2-40B4-BE49-F238E27FC236}">
-                <a16:creationId xmlns:a16="http://schemas.microsoft.com/office/drawing/2014/main" id="{7B8DACDA-E65F-0732-2BDB-1F23C2E83422}"/>
+                <a16:creationId xmlns:a16="http://schemas.microsoft.com/office/drawing/2014/main" id="{A630BB88-483B-FC9C-F92C-B4D90F34B95D}"/>
               </a:ext>
             </a:extLst>
           </p:cNvPr>
@@ -2427,7 +2427,7 @@
           <a:bodyPr/>
           <a:lstStyle/>
           <a:p>
-            <a:fld id="{9897FB02-C65B-48D8-946F-B0BA464A709F}" type="slidenum">
+            <a:fld id="{3A496A81-F569-4137-AB14-9D1B2EA80C6C}" type="slidenum">
               <a:rPr lang="zh-CN" altLang="en-US" smtClean="0"/>
               <a:t>‹#›</a:t>
             </a:fld>
@@ -2438,7 +2438,7 @@
     </p:spTree>
     <p:extLst>
       <p:ext uri="{BB962C8B-B14F-4D97-AF65-F5344CB8AC3E}">
-        <p14:creationId xmlns:p14="http://schemas.microsoft.com/office/powerpoint/2010/main" val="1247253599"/>
+        <p14:creationId xmlns:p14="http://schemas.microsoft.com/office/powerpoint/2010/main" val="877495698"/>
       </p:ext>
     </p:extLst>
   </p:cSld>
@@ -2470,7 +2470,7 @@
           <p:cNvPr id="2" name="标题 1">
             <a:extLst>
               <a:ext uri="{FF2B5EF4-FFF2-40B4-BE49-F238E27FC236}">
-                <a16:creationId xmlns:a16="http://schemas.microsoft.com/office/drawing/2014/main" id="{3C2A6FC1-D83A-F16A-5B89-96381C8D7C50}"/>
+                <a16:creationId xmlns:a16="http://schemas.microsoft.com/office/drawing/2014/main" id="{61278F48-5199-AE72-F4EE-4A0AE6A59A2B}"/>
               </a:ext>
             </a:extLst>
           </p:cNvPr>
@@ -2507,7 +2507,7 @@
           <p:cNvPr id="3" name="图片占位符 2">
             <a:extLst>
               <a:ext uri="{FF2B5EF4-FFF2-40B4-BE49-F238E27FC236}">
-                <a16:creationId xmlns:a16="http://schemas.microsoft.com/office/drawing/2014/main" id="{BDEE6B94-EB3A-C67D-B79F-CD4EE5D9CA9C}"/>
+                <a16:creationId xmlns:a16="http://schemas.microsoft.com/office/drawing/2014/main" id="{015EE28B-75C0-4600-1753-3E053C024412}"/>
               </a:ext>
             </a:extLst>
           </p:cNvPr>
@@ -2574,7 +2574,7 @@
           <p:cNvPr id="4" name="文本占位符 3">
             <a:extLst>
               <a:ext uri="{FF2B5EF4-FFF2-40B4-BE49-F238E27FC236}">
-                <a16:creationId xmlns:a16="http://schemas.microsoft.com/office/drawing/2014/main" id="{EFFACCF9-74AE-41CD-07B2-DAA2655386DA}"/>
+                <a16:creationId xmlns:a16="http://schemas.microsoft.com/office/drawing/2014/main" id="{14FF7564-6116-4096-5DD2-8230FD365010}"/>
               </a:ext>
             </a:extLst>
           </p:cNvPr>
@@ -2645,7 +2645,7 @@
           <p:cNvPr id="5" name="日期占位符 4">
             <a:extLst>
               <a:ext uri="{FF2B5EF4-FFF2-40B4-BE49-F238E27FC236}">
-                <a16:creationId xmlns:a16="http://schemas.microsoft.com/office/drawing/2014/main" id="{53CE446C-0C38-00E4-2D6F-5156DE36B03F}"/>
+                <a16:creationId xmlns:a16="http://schemas.microsoft.com/office/drawing/2014/main" id="{3C798EEA-AED4-D558-9A1A-D33DF773C6DB}"/>
               </a:ext>
             </a:extLst>
           </p:cNvPr>
@@ -2661,7 +2661,7 @@
           <a:bodyPr/>
           <a:lstStyle/>
           <a:p>
-            <a:fld id="{EAAE8F7E-12BC-4FAC-8ED1-576EA16AB2F6}" type="datetimeFigureOut">
+            <a:fld id="{9CF986CC-E267-4A49-8202-BD529CCCA2F0}" type="datetimeFigureOut">
               <a:rPr lang="zh-CN" altLang="en-US" smtClean="0"/>
               <a:t>2024/3/10</a:t>
             </a:fld>
@@ -2674,7 +2674,7 @@
           <p:cNvPr id="6" name="页脚占位符 5">
             <a:extLst>
               <a:ext uri="{FF2B5EF4-FFF2-40B4-BE49-F238E27FC236}">
-                <a16:creationId xmlns:a16="http://schemas.microsoft.com/office/drawing/2014/main" id="{532B8013-C5F4-4133-CC6F-1581DC4748D2}"/>
+                <a16:creationId xmlns:a16="http://schemas.microsoft.com/office/drawing/2014/main" id="{85406802-D7FE-22CB-1B33-EED5BC267D07}"/>
               </a:ext>
             </a:extLst>
           </p:cNvPr>
@@ -2699,7 +2699,7 @@
           <p:cNvPr id="7" name="灯片编号占位符 6">
             <a:extLst>
               <a:ext uri="{FF2B5EF4-FFF2-40B4-BE49-F238E27FC236}">
-                <a16:creationId xmlns:a16="http://schemas.microsoft.com/office/drawing/2014/main" id="{CFB1A2E7-FB89-AC0F-3955-B42CD2EC4D65}"/>
+                <a16:creationId xmlns:a16="http://schemas.microsoft.com/office/drawing/2014/main" id="{83A15C97-264A-AD92-D067-8E8BA477A487}"/>
               </a:ext>
             </a:extLst>
           </p:cNvPr>
@@ -2715,7 +2715,7 @@
           <a:bodyPr/>
           <a:lstStyle/>
           <a:p>
-            <a:fld id="{9897FB02-C65B-48D8-946F-B0BA464A709F}" type="slidenum">
+            <a:fld id="{3A496A81-F569-4137-AB14-9D1B2EA80C6C}" type="slidenum">
               <a:rPr lang="zh-CN" altLang="en-US" smtClean="0"/>
               <a:t>‹#›</a:t>
             </a:fld>
@@ -2726,7 +2726,7 @@
     </p:spTree>
     <p:extLst>
       <p:ext uri="{BB962C8B-B14F-4D97-AF65-F5344CB8AC3E}">
-        <p14:creationId xmlns:p14="http://schemas.microsoft.com/office/powerpoint/2010/main" val="2920810145"/>
+        <p14:creationId xmlns:p14="http://schemas.microsoft.com/office/powerpoint/2010/main" val="2566758476"/>
       </p:ext>
     </p:extLst>
   </p:cSld>
@@ -2763,7 +2763,7 @@
           <p:cNvPr id="2" name="标题占位符 1">
             <a:extLst>
               <a:ext uri="{FF2B5EF4-FFF2-40B4-BE49-F238E27FC236}">
-                <a16:creationId xmlns:a16="http://schemas.microsoft.com/office/drawing/2014/main" id="{21CC2AC4-EF30-CEB8-4184-06CB8728F855}"/>
+                <a16:creationId xmlns:a16="http://schemas.microsoft.com/office/drawing/2014/main" id="{4E4408D1-1882-CA3D-3B3E-790212A755EA}"/>
               </a:ext>
             </a:extLst>
           </p:cNvPr>
@@ -2801,7 +2801,7 @@
           <p:cNvPr id="3" name="文本占位符 2">
             <a:extLst>
               <a:ext uri="{FF2B5EF4-FFF2-40B4-BE49-F238E27FC236}">
-                <a16:creationId xmlns:a16="http://schemas.microsoft.com/office/drawing/2014/main" id="{89524D74-7565-FD79-1D14-168A899FBFD4}"/>
+                <a16:creationId xmlns:a16="http://schemas.microsoft.com/office/drawing/2014/main" id="{3C9E31DE-A60F-7A6E-C370-B192FB2A0D0C}"/>
               </a:ext>
             </a:extLst>
           </p:cNvPr>
@@ -2868,7 +2868,7 @@
           <p:cNvPr id="4" name="日期占位符 3">
             <a:extLst>
               <a:ext uri="{FF2B5EF4-FFF2-40B4-BE49-F238E27FC236}">
-                <a16:creationId xmlns:a16="http://schemas.microsoft.com/office/drawing/2014/main" id="{31E23883-333E-9269-619D-9DD67BFF233C}"/>
+                <a16:creationId xmlns:a16="http://schemas.microsoft.com/office/drawing/2014/main" id="{027BC31B-CBE3-03BF-72F3-E97C9874EBF7}"/>
               </a:ext>
             </a:extLst>
           </p:cNvPr>
@@ -2902,7 +2902,7 @@
             </a:lvl1pPr>
           </a:lstStyle>
           <a:p>
-            <a:fld id="{EAAE8F7E-12BC-4FAC-8ED1-576EA16AB2F6}" type="datetimeFigureOut">
+            <a:fld id="{9CF986CC-E267-4A49-8202-BD529CCCA2F0}" type="datetimeFigureOut">
               <a:rPr lang="zh-CN" altLang="en-US" smtClean="0"/>
               <a:t>2024/3/10</a:t>
             </a:fld>
@@ -2915,7 +2915,7 @@
           <p:cNvPr id="5" name="页脚占位符 4">
             <a:extLst>
               <a:ext uri="{FF2B5EF4-FFF2-40B4-BE49-F238E27FC236}">
-                <a16:creationId xmlns:a16="http://schemas.microsoft.com/office/drawing/2014/main" id="{696CE6A8-2435-2122-48D5-C321CDA79DB3}"/>
+                <a16:creationId xmlns:a16="http://schemas.microsoft.com/office/drawing/2014/main" id="{E7053D2A-BB4D-519D-70AF-7535B3E13219}"/>
               </a:ext>
             </a:extLst>
           </p:cNvPr>
@@ -2958,7 +2958,7 @@
           <p:cNvPr id="6" name="灯片编号占位符 5">
             <a:extLst>
               <a:ext uri="{FF2B5EF4-FFF2-40B4-BE49-F238E27FC236}">
-                <a16:creationId xmlns:a16="http://schemas.microsoft.com/office/drawing/2014/main" id="{BDEE8D8E-13FD-E9A9-E896-7203303DF6CB}"/>
+                <a16:creationId xmlns:a16="http://schemas.microsoft.com/office/drawing/2014/main" id="{868C233E-29B6-6866-3551-E05D3F656C27}"/>
               </a:ext>
             </a:extLst>
           </p:cNvPr>
@@ -2992,7 +2992,7 @@
             </a:lvl1pPr>
           </a:lstStyle>
           <a:p>
-            <a:fld id="{9897FB02-C65B-48D8-946F-B0BA464A709F}" type="slidenum">
+            <a:fld id="{3A496A81-F569-4137-AB14-9D1B2EA80C6C}" type="slidenum">
               <a:rPr lang="zh-CN" altLang="en-US" smtClean="0"/>
               <a:t>‹#›</a:t>
             </a:fld>
@@ -3003,7 +3003,7 @@
     </p:spTree>
     <p:extLst>
       <p:ext uri="{BB962C8B-B14F-4D97-AF65-F5344CB8AC3E}">
-        <p14:creationId xmlns:p14="http://schemas.microsoft.com/office/powerpoint/2010/main" val="4031266811"/>
+        <p14:creationId xmlns:p14="http://schemas.microsoft.com/office/powerpoint/2010/main" val="3304020931"/>
       </p:ext>
     </p:extLst>
   </p:cSld>
